--- a/scdraftThurs-noon.pptx
+++ b/scdraftThurs-noon.pptx
@@ -144,6 +144,9 @@
         </p15:guide>
       </p15:sldGuideLst>
     </p:ext>
+    <p:ext uri="{2D200454-40CA-4A62-9FC3-DE9A4176ACB9}">
+      <p15:notesGuideLst xmlns:p15="http://schemas.microsoft.com/office/powerpoint/2012/main"/>
+    </p:ext>
   </p:extLst>
 </p:presentation>
 </file>
@@ -242,7 +245,7 @@
           <a:p>
             <a:fld id="{A2B328E9-7AA2-3047-99F5-D825B13BF7EF}" type="datetimeFigureOut">
               <a:rPr lang="en-US" smtClean="0"/>
-              <a:t>11/21/19</a:t>
+              <a:t>2/12/20</a:t>
             </a:fld>
             <a:endParaRPr lang="en-US"/>
           </a:p>
@@ -419,7 +422,7 @@
           <a:p>
             <a:fld id="{C10AAE16-8A75-104C-81E4-E12CC2FDEDD9}" type="datetimeFigureOut">
               <a:rPr lang="en-US" smtClean="0"/>
-              <a:t>11/21/19</a:t>
+              <a:t>2/12/20</a:t>
             </a:fld>
             <a:endParaRPr lang="en-US"/>
           </a:p>
@@ -3326,7 +3329,7 @@
           <a:p>
             <a:fld id="{9F031C55-E0D1-344F-A2A8-07ED11A7DD29}" type="datetime1">
               <a:rPr lang="en-US" smtClean="0"/>
-              <a:t>11/21/19</a:t>
+              <a:t>2/12/20</a:t>
             </a:fld>
             <a:endParaRPr lang="en-US"/>
           </a:p>
@@ -3544,7 +3547,7 @@
           <a:p>
             <a:fld id="{D02D64D6-5A8D-3945-9157-486E55651E9D}" type="datetime1">
               <a:rPr lang="en-US" smtClean="0"/>
-              <a:t>11/21/19</a:t>
+              <a:t>2/12/20</a:t>
             </a:fld>
             <a:endParaRPr lang="en-US"/>
           </a:p>
@@ -3724,7 +3727,7 @@
           <a:p>
             <a:fld id="{42E9CB4B-C30C-7043-A656-2CA729AD1D23}" type="datetime1">
               <a:rPr lang="en-US" smtClean="0"/>
-              <a:t>11/21/19</a:t>
+              <a:t>2/12/20</a:t>
             </a:fld>
             <a:endParaRPr lang="en-US"/>
           </a:p>
@@ -3894,7 +3897,7 @@
           <a:p>
             <a:fld id="{FF20E426-C481-AF45-A013-A54EB830127E}" type="datetime1">
               <a:rPr lang="en-US" smtClean="0"/>
-              <a:t>11/21/19</a:t>
+              <a:t>2/12/20</a:t>
             </a:fld>
             <a:endParaRPr lang="en-US"/>
           </a:p>
@@ -4230,7 +4233,7 @@
           <a:p>
             <a:fld id="{83A416CA-8998-A24B-9F06-4B233CC04590}" type="datetime1">
               <a:rPr lang="en-US" smtClean="0"/>
-              <a:t>11/21/19</a:t>
+              <a:t>2/12/20</a:t>
             </a:fld>
             <a:endParaRPr lang="en-US" dirty="0"/>
           </a:p>
@@ -4625,7 +4628,7 @@
           <a:p>
             <a:fld id="{25B40F1F-6F44-7145-A669-7F8E1168BA3F}" type="datetime1">
               <a:rPr lang="en-US" smtClean="0"/>
-              <a:t>11/21/19</a:t>
+              <a:t>2/12/20</a:t>
             </a:fld>
             <a:endParaRPr lang="en-US"/>
           </a:p>
@@ -5059,7 +5062,7 @@
           <a:p>
             <a:fld id="{1A290E63-530C-C44F-AB3A-06DC8CC2D114}" type="datetime1">
               <a:rPr lang="en-US" smtClean="0"/>
-              <a:t>11/21/19</a:t>
+              <a:t>2/12/20</a:t>
             </a:fld>
             <a:endParaRPr lang="en-US"/>
           </a:p>
@@ -5192,7 +5195,7 @@
           <a:p>
             <a:fld id="{2BE8F0AC-298B-B14C-8967-8D2354E35065}" type="datetime1">
               <a:rPr lang="en-US" smtClean="0"/>
-              <a:t>11/21/19</a:t>
+              <a:t>2/12/20</a:t>
             </a:fld>
             <a:endParaRPr lang="en-US"/>
           </a:p>
@@ -5324,7 +5327,7 @@
           <a:p>
             <a:fld id="{4EBF7E9F-00DB-AF4C-BB9F-A154D382F6C3}" type="datetime1">
               <a:rPr lang="en-US" smtClean="0"/>
-              <a:t>11/21/19</a:t>
+              <a:t>2/12/20</a:t>
             </a:fld>
             <a:endParaRPr lang="en-US"/>
           </a:p>
@@ -5697,7 +5700,7 @@
           <a:p>
             <a:fld id="{C6F61801-4301-BE48-A3EF-EE5BFBB25175}" type="datetime1">
               <a:rPr lang="en-US" smtClean="0"/>
-              <a:t>11/21/19</a:t>
+              <a:t>2/12/20</a:t>
             </a:fld>
             <a:endParaRPr lang="en-US"/>
           </a:p>
@@ -6077,7 +6080,7 @@
           <a:p>
             <a:fld id="{A2DA4B9E-28AF-1641-984C-B791EE38273C}" type="datetime1">
               <a:rPr lang="en-US" smtClean="0"/>
-              <a:t>11/21/19</a:t>
+              <a:t>2/12/20</a:t>
             </a:fld>
             <a:endParaRPr lang="en-US"/>
           </a:p>
@@ -6282,7 +6285,7 @@
           <a:p>
             <a:fld id="{AC742835-1C87-5942-951E-769F37A930A1}" type="datetime1">
               <a:rPr lang="en-US" smtClean="0"/>
-              <a:t>11/21/19</a:t>
+              <a:t>2/12/20</a:t>
             </a:fld>
             <a:endParaRPr lang="en-US" dirty="0"/>
           </a:p>
@@ -9376,8 +9379,8 @@
           </p:sp>
         </mc:Fallback>
       </mc:AlternateContent>
-      <mc:AlternateContent xmlns:mc="http://schemas.openxmlformats.org/markup-compatibility/2006" xmlns:a14="http://schemas.microsoft.com/office/drawing/2010/main">
-        <mc:Choice Requires="a14">
+      <mc:AlternateContent xmlns:mc="http://schemas.openxmlformats.org/markup-compatibility/2006">
+        <mc:Choice xmlns:a14="http://schemas.microsoft.com/office/drawing/2010/main" Requires="a14">
           <p:sp>
             <p:nvSpPr>
               <p:cNvPr id="20" name="TextBox 19">
@@ -9422,43 +9425,6 @@
                       <m:jc m:val="centerGroup"/>
                     </m:oMathParaPr>
                     <m:oMath xmlns:m="http://schemas.openxmlformats.org/officeDocument/2006/math">
-                      <m:sSub>
-                        <m:sSubPr>
-                          <m:ctrlPr>
-                            <a:rPr lang="en-US" i="1">
-                              <a:solidFill>
-                                <a:srgbClr val="00B050"/>
-                              </a:solidFill>
-                              <a:latin typeface="Cambria Math" panose="02040503050406030204" pitchFamily="18" charset="0"/>
-                              <a:cs typeface="Arial"/>
-                            </a:rPr>
-                          </m:ctrlPr>
-                        </m:sSubPr>
-                        <m:e>
-                          <m:r>
-                            <a:rPr lang="en-US" i="1">
-                              <a:solidFill>
-                                <a:srgbClr val="00B050"/>
-                              </a:solidFill>
-                              <a:latin typeface="Cambria Math" panose="02040503050406030204" pitchFamily="18" charset="0"/>
-                              <a:cs typeface="Arial"/>
-                            </a:rPr>
-                            <m:t>𝑇</m:t>
-                          </m:r>
-                        </m:e>
-                        <m:sub>
-                          <m:r>
-                            <a:rPr lang="en-US" i="1">
-                              <a:solidFill>
-                                <a:srgbClr val="00B050"/>
-                              </a:solidFill>
-                              <a:latin typeface="Cambria Math" panose="02040503050406030204" pitchFamily="18" charset="0"/>
-                              <a:cs typeface="Arial"/>
-                            </a:rPr>
-                            <m:t>𝑖</m:t>
-                          </m:r>
-                        </m:sub>
-                      </m:sSub>
                       <m:sSub>
                         <m:sSubPr>
                           <m:ctrlPr>
@@ -9941,7 +9907,7 @@
             </p:txBody>
           </p:sp>
         </mc:Choice>
-        <mc:Fallback xmlns="">
+        <mc:Fallback>
           <p:sp>
             <p:nvSpPr>
               <p:cNvPr id="20" name="TextBox 19">
@@ -26886,8 +26852,8 @@
           </p:sp>
         </mc:Fallback>
       </mc:AlternateContent>
-      <mc:AlternateContent xmlns:mc="http://schemas.openxmlformats.org/markup-compatibility/2006" xmlns:a14="http://schemas.microsoft.com/office/drawing/2010/main">
-        <mc:Choice Requires="a14">
+      <mc:AlternateContent xmlns:mc="http://schemas.openxmlformats.org/markup-compatibility/2006">
+        <mc:Choice xmlns:a14="http://schemas.microsoft.com/office/drawing/2010/main" Requires="a14">
           <p:sp>
             <p:nvSpPr>
               <p:cNvPr id="14" name="TextBox 13">
@@ -28650,7 +28616,7 @@
             </p:txBody>
           </p:sp>
         </mc:Choice>
-        <mc:Fallback xmlns="">
+        <mc:Fallback>
           <p:sp>
             <p:nvSpPr>
               <p:cNvPr id="14" name="TextBox 13">
